--- a/doc/Design.pptx
+++ b/doc/Design.pptx
@@ -6,7 +6,8 @@
   </p:sldMasterIdLst>
   <p:sldIdLst>
     <p:sldId id="256" r:id="rId2"/>
-    <p:sldId id="257" r:id="rId3"/>
+    <p:sldId id="258" r:id="rId3"/>
+    <p:sldId id="257" r:id="rId4"/>
   </p:sldIdLst>
   <p:sldSz cx="12192000" cy="6858000"/>
   <p:notesSz cx="6858000" cy="9144000"/>
@@ -105,6 +106,11 @@
       </a:defRPr>
     </a:lvl9pPr>
   </p:defaultTextStyle>
+  <p:extLst>
+    <p:ext uri="{EFAFB233-063F-42B5-8137-9DF3F51BA10A}">
+      <p15:sldGuideLst xmlns:p15="http://schemas.microsoft.com/office/powerpoint/2012/main"/>
+    </p:ext>
+  </p:extLst>
 </p:presentation>
 </file>
 
@@ -239,7 +245,7 @@
           <a:p>
             <a:fld id="{BEBCD7F4-B480-BD4A-8507-D2EFAB3C2330}" type="datetimeFigureOut">
               <a:rPr lang="en-US" smtClean="0"/>
-              <a:t>10/27/17</a:t>
+              <a:t>12/23/17</a:t>
             </a:fld>
             <a:endParaRPr lang="en-US"/>
           </a:p>
@@ -409,7 +415,7 @@
           <a:p>
             <a:fld id="{BEBCD7F4-B480-BD4A-8507-D2EFAB3C2330}" type="datetimeFigureOut">
               <a:rPr lang="en-US" smtClean="0"/>
-              <a:t>10/27/17</a:t>
+              <a:t>12/23/17</a:t>
             </a:fld>
             <a:endParaRPr lang="en-US"/>
           </a:p>
@@ -589,7 +595,7 @@
           <a:p>
             <a:fld id="{BEBCD7F4-B480-BD4A-8507-D2EFAB3C2330}" type="datetimeFigureOut">
               <a:rPr lang="en-US" smtClean="0"/>
-              <a:t>10/27/17</a:t>
+              <a:t>12/23/17</a:t>
             </a:fld>
             <a:endParaRPr lang="en-US"/>
           </a:p>
@@ -759,7 +765,7 @@
           <a:p>
             <a:fld id="{BEBCD7F4-B480-BD4A-8507-D2EFAB3C2330}" type="datetimeFigureOut">
               <a:rPr lang="en-US" smtClean="0"/>
-              <a:t>10/27/17</a:t>
+              <a:t>12/23/17</a:t>
             </a:fld>
             <a:endParaRPr lang="en-US"/>
           </a:p>
@@ -1005,7 +1011,7 @@
           <a:p>
             <a:fld id="{BEBCD7F4-B480-BD4A-8507-D2EFAB3C2330}" type="datetimeFigureOut">
               <a:rPr lang="en-US" smtClean="0"/>
-              <a:t>10/27/17</a:t>
+              <a:t>12/23/17</a:t>
             </a:fld>
             <a:endParaRPr lang="en-US"/>
           </a:p>
@@ -1237,7 +1243,7 @@
           <a:p>
             <a:fld id="{BEBCD7F4-B480-BD4A-8507-D2EFAB3C2330}" type="datetimeFigureOut">
               <a:rPr lang="en-US" smtClean="0"/>
-              <a:t>10/27/17</a:t>
+              <a:t>12/23/17</a:t>
             </a:fld>
             <a:endParaRPr lang="en-US"/>
           </a:p>
@@ -1604,7 +1610,7 @@
           <a:p>
             <a:fld id="{BEBCD7F4-B480-BD4A-8507-D2EFAB3C2330}" type="datetimeFigureOut">
               <a:rPr lang="en-US" smtClean="0"/>
-              <a:t>10/27/17</a:t>
+              <a:t>12/23/17</a:t>
             </a:fld>
             <a:endParaRPr lang="en-US"/>
           </a:p>
@@ -1722,7 +1728,7 @@
           <a:p>
             <a:fld id="{BEBCD7F4-B480-BD4A-8507-D2EFAB3C2330}" type="datetimeFigureOut">
               <a:rPr lang="en-US" smtClean="0"/>
-              <a:t>10/27/17</a:t>
+              <a:t>12/23/17</a:t>
             </a:fld>
             <a:endParaRPr lang="en-US"/>
           </a:p>
@@ -1817,7 +1823,7 @@
           <a:p>
             <a:fld id="{BEBCD7F4-B480-BD4A-8507-D2EFAB3C2330}" type="datetimeFigureOut">
               <a:rPr lang="en-US" smtClean="0"/>
-              <a:t>10/27/17</a:t>
+              <a:t>12/23/17</a:t>
             </a:fld>
             <a:endParaRPr lang="en-US"/>
           </a:p>
@@ -2094,7 +2100,7 @@
           <a:p>
             <a:fld id="{BEBCD7F4-B480-BD4A-8507-D2EFAB3C2330}" type="datetimeFigureOut">
               <a:rPr lang="en-US" smtClean="0"/>
-              <a:t>10/27/17</a:t>
+              <a:t>12/23/17</a:t>
             </a:fld>
             <a:endParaRPr lang="en-US"/>
           </a:p>
@@ -2347,7 +2353,7 @@
           <a:p>
             <a:fld id="{BEBCD7F4-B480-BD4A-8507-D2EFAB3C2330}" type="datetimeFigureOut">
               <a:rPr lang="en-US" smtClean="0"/>
-              <a:t>10/27/17</a:t>
+              <a:t>12/23/17</a:t>
             </a:fld>
             <a:endParaRPr lang="en-US"/>
           </a:p>
@@ -2560,7 +2566,7 @@
           <a:p>
             <a:fld id="{BEBCD7F4-B480-BD4A-8507-D2EFAB3C2330}" type="datetimeFigureOut">
               <a:rPr lang="en-US" smtClean="0"/>
-              <a:t>10/27/17</a:t>
+              <a:t>12/23/17</a:t>
             </a:fld>
             <a:endParaRPr lang="en-US"/>
           </a:p>
@@ -3196,7 +3202,7 @@
             <a:pPr algn="ctr"/>
             <a:r>
               <a:rPr lang="en-US" dirty="0" smtClean="0"/>
-              <a:t>Object</a:t>
+              <a:t>Persistent</a:t>
             </a:r>
             <a:endParaRPr lang="en-US" dirty="0"/>
           </a:p>
@@ -3350,18 +3356,21 @@
       </p:grpSpPr>
       <p:sp>
         <p:nvSpPr>
-          <p:cNvPr id="2" name="Rectangle 1"/>
+          <p:cNvPr id="4" name="Rectangle 3"/>
           <p:cNvSpPr/>
           <p:nvPr/>
         </p:nvSpPr>
         <p:spPr>
           <a:xfrm>
-            <a:off x="914400" y="1161143"/>
-            <a:ext cx="2235200" cy="2017486"/>
+            <a:off x="1292918" y="2423886"/>
+            <a:ext cx="1010652" cy="2167975"/>
           </a:xfrm>
           <a:prstGeom prst="rect">
             <a:avLst/>
           </a:prstGeom>
+          <a:solidFill>
+            <a:srgbClr val="FF0000"/>
+          </a:solidFill>
         </p:spPr>
         <p:style>
           <a:lnRef idx="2">
@@ -3385,23 +3394,23 @@
           <a:p>
             <a:pPr algn="ctr"/>
             <a:r>
-              <a:rPr lang="en-US" smtClean="0"/>
-              <a:t>Table (Collection)</a:t>
-            </a:r>
-            <a:endParaRPr lang="en-US"/>
-          </a:p>
-        </p:txBody>
-      </p:sp>
-      <p:sp>
-        <p:nvSpPr>
-          <p:cNvPr id="4" name="Rectangle 3"/>
+              <a:rPr lang="en-US" dirty="0" smtClean="0"/>
+              <a:t>Outline</a:t>
+            </a:r>
+            <a:endParaRPr lang="en-US" dirty="0"/>
+          </a:p>
+        </p:txBody>
+      </p:sp>
+      <p:sp>
+        <p:nvSpPr>
+          <p:cNvPr id="5" name="Rectangle 4"/>
           <p:cNvSpPr/>
           <p:nvPr/>
         </p:nvSpPr>
         <p:spPr>
           <a:xfrm>
-            <a:off x="5101772" y="1161143"/>
-            <a:ext cx="2235200" cy="2017486"/>
+            <a:off x="2303570" y="2423886"/>
+            <a:ext cx="2911642" cy="2167975"/>
           </a:xfrm>
           <a:prstGeom prst="rect">
             <a:avLst/>
@@ -3429,13 +3438,503 @@
           <a:p>
             <a:pPr algn="ctr"/>
             <a:r>
-              <a:rPr lang="en-US" smtClean="0"/>
-              <a:t>FKeyCollection</a:t>
+              <a:rPr lang="en-US" dirty="0" smtClean="0"/>
+              <a:t>Detail</a:t>
             </a:r>
             <a:endParaRPr lang="en-US" dirty="0"/>
           </a:p>
         </p:txBody>
       </p:sp>
+      <p:sp>
+        <p:nvSpPr>
+          <p:cNvPr id="6" name="Rectangle 5"/>
+          <p:cNvSpPr/>
+          <p:nvPr/>
+        </p:nvSpPr>
+        <p:spPr>
+          <a:xfrm>
+            <a:off x="1292918" y="4591861"/>
+            <a:ext cx="3922294" cy="445169"/>
+          </a:xfrm>
+          <a:prstGeom prst="rect">
+            <a:avLst/>
+          </a:prstGeom>
+          <a:solidFill>
+            <a:srgbClr val="00B050"/>
+          </a:solidFill>
+        </p:spPr>
+        <p:style>
+          <a:lnRef idx="2">
+            <a:schemeClr val="accent1">
+              <a:shade val="50000"/>
+            </a:schemeClr>
+          </a:lnRef>
+          <a:fillRef idx="1">
+            <a:schemeClr val="accent1"/>
+          </a:fillRef>
+          <a:effectRef idx="0">
+            <a:schemeClr val="accent1"/>
+          </a:effectRef>
+          <a:fontRef idx="minor">
+            <a:schemeClr val="lt1"/>
+          </a:fontRef>
+        </p:style>
+        <p:txBody>
+          <a:bodyPr rtlCol="0" anchor="ctr"/>
+          <a:lstStyle/>
+          <a:p>
+            <a:pPr algn="ctr"/>
+            <a:r>
+              <a:rPr lang="en-US" dirty="0" smtClean="0"/>
+              <a:t>Footer</a:t>
+            </a:r>
+            <a:endParaRPr lang="en-US" dirty="0"/>
+          </a:p>
+        </p:txBody>
+      </p:sp>
+      <p:sp>
+        <p:nvSpPr>
+          <p:cNvPr id="7" name="Rectangle 6"/>
+          <p:cNvSpPr/>
+          <p:nvPr/>
+        </p:nvSpPr>
+        <p:spPr>
+          <a:xfrm>
+            <a:off x="1292918" y="1978717"/>
+            <a:ext cx="3922294" cy="445169"/>
+          </a:xfrm>
+          <a:prstGeom prst="rect">
+            <a:avLst/>
+          </a:prstGeom>
+          <a:solidFill>
+            <a:srgbClr val="FFFF00"/>
+          </a:solidFill>
+        </p:spPr>
+        <p:style>
+          <a:lnRef idx="2">
+            <a:schemeClr val="accent1">
+              <a:shade val="50000"/>
+            </a:schemeClr>
+          </a:lnRef>
+          <a:fillRef idx="1">
+            <a:schemeClr val="accent1"/>
+          </a:fillRef>
+          <a:effectRef idx="0">
+            <a:schemeClr val="accent1"/>
+          </a:effectRef>
+          <a:fontRef idx="minor">
+            <a:schemeClr val="lt1"/>
+          </a:fontRef>
+        </p:style>
+        <p:txBody>
+          <a:bodyPr rtlCol="0" anchor="ctr"/>
+          <a:lstStyle/>
+          <a:p>
+            <a:pPr algn="ctr"/>
+            <a:r>
+              <a:rPr lang="en-US" smtClean="0">
+                <a:solidFill>
+                  <a:sysClr val="windowText" lastClr="000000"/>
+                </a:solidFill>
+              </a:rPr>
+              <a:t>Header</a:t>
+            </a:r>
+            <a:endParaRPr lang="en-US">
+              <a:solidFill>
+                <a:sysClr val="windowText" lastClr="000000"/>
+              </a:solidFill>
+            </a:endParaRPr>
+          </a:p>
+        </p:txBody>
+      </p:sp>
+      <p:sp>
+        <p:nvSpPr>
+          <p:cNvPr id="8" name="Rectangle 7"/>
+          <p:cNvSpPr/>
+          <p:nvPr/>
+        </p:nvSpPr>
+        <p:spPr>
+          <a:xfrm>
+            <a:off x="7739170" y="797905"/>
+            <a:ext cx="2911642" cy="2167975"/>
+          </a:xfrm>
+          <a:prstGeom prst="rect">
+            <a:avLst/>
+          </a:prstGeom>
+        </p:spPr>
+        <p:style>
+          <a:lnRef idx="2">
+            <a:schemeClr val="accent1">
+              <a:shade val="50000"/>
+            </a:schemeClr>
+          </a:lnRef>
+          <a:fillRef idx="1">
+            <a:schemeClr val="accent1"/>
+          </a:fillRef>
+          <a:effectRef idx="0">
+            <a:schemeClr val="accent1"/>
+          </a:effectRef>
+          <a:fontRef idx="minor">
+            <a:schemeClr val="lt1"/>
+          </a:fontRef>
+        </p:style>
+        <p:txBody>
+          <a:bodyPr rtlCol="0" anchor="ctr"/>
+          <a:lstStyle/>
+          <a:p>
+            <a:pPr algn="ctr"/>
+            <a:r>
+              <a:rPr lang="en-US" dirty="0" smtClean="0"/>
+              <a:t>Persistent</a:t>
+            </a:r>
+            <a:endParaRPr lang="en-US" dirty="0"/>
+          </a:p>
+        </p:txBody>
+      </p:sp>
+      <p:sp>
+        <p:nvSpPr>
+          <p:cNvPr id="9" name="Rectangle 8"/>
+          <p:cNvSpPr/>
+          <p:nvPr/>
+        </p:nvSpPr>
+        <p:spPr>
+          <a:xfrm>
+            <a:off x="7739170" y="3953042"/>
+            <a:ext cx="2911642" cy="2167975"/>
+          </a:xfrm>
+          <a:prstGeom prst="rect">
+            <a:avLst/>
+          </a:prstGeom>
+        </p:spPr>
+        <p:style>
+          <a:lnRef idx="2">
+            <a:schemeClr val="accent1">
+              <a:shade val="50000"/>
+            </a:schemeClr>
+          </a:lnRef>
+          <a:fillRef idx="1">
+            <a:schemeClr val="accent1"/>
+          </a:fillRef>
+          <a:effectRef idx="0">
+            <a:schemeClr val="accent1"/>
+          </a:effectRef>
+          <a:fontRef idx="minor">
+            <a:schemeClr val="lt1"/>
+          </a:fontRef>
+        </p:style>
+        <p:txBody>
+          <a:bodyPr rtlCol="0" anchor="ctr"/>
+          <a:lstStyle/>
+          <a:p>
+            <a:pPr algn="ctr"/>
+            <a:r>
+              <a:rPr lang="en-US" dirty="0" smtClean="0"/>
+              <a:t>Collection</a:t>
+            </a:r>
+            <a:endParaRPr lang="en-US" dirty="0"/>
+          </a:p>
+        </p:txBody>
+      </p:sp>
+      <p:cxnSp>
+        <p:nvCxnSpPr>
+          <p:cNvPr id="11" name="Elbow Connector 10"/>
+          <p:cNvCxnSpPr>
+            <a:stCxn id="5" idx="3"/>
+            <a:endCxn id="8" idx="1"/>
+          </p:cNvCxnSpPr>
+          <p:nvPr/>
+        </p:nvCxnSpPr>
+        <p:spPr>
+          <a:xfrm flipV="1">
+            <a:off x="5215212" y="1881893"/>
+            <a:ext cx="2523958" cy="1625981"/>
+          </a:xfrm>
+          <a:prstGeom prst="bentConnector3">
+            <a:avLst/>
+          </a:prstGeom>
+          <a:ln>
+            <a:tailEnd type="triangle"/>
+          </a:ln>
+        </p:spPr>
+        <p:style>
+          <a:lnRef idx="1">
+            <a:schemeClr val="accent1"/>
+          </a:lnRef>
+          <a:fillRef idx="0">
+            <a:schemeClr val="accent1"/>
+          </a:fillRef>
+          <a:effectRef idx="0">
+            <a:schemeClr val="accent1"/>
+          </a:effectRef>
+          <a:fontRef idx="minor">
+            <a:schemeClr val="tx1"/>
+          </a:fontRef>
+        </p:style>
+      </p:cxnSp>
+      <p:cxnSp>
+        <p:nvCxnSpPr>
+          <p:cNvPr id="13" name="Elbow Connector 12"/>
+          <p:cNvCxnSpPr>
+            <a:stCxn id="5" idx="3"/>
+            <a:endCxn id="9" idx="1"/>
+          </p:cNvCxnSpPr>
+          <p:nvPr/>
+        </p:nvCxnSpPr>
+        <p:spPr>
+          <a:xfrm>
+            <a:off x="5215212" y="3507874"/>
+            <a:ext cx="2523958" cy="1529156"/>
+          </a:xfrm>
+          <a:prstGeom prst="bentConnector3">
+            <a:avLst/>
+          </a:prstGeom>
+          <a:ln>
+            <a:tailEnd type="triangle"/>
+          </a:ln>
+        </p:spPr>
+        <p:style>
+          <a:lnRef idx="1">
+            <a:schemeClr val="accent1"/>
+          </a:lnRef>
+          <a:fillRef idx="0">
+            <a:schemeClr val="accent1"/>
+          </a:fillRef>
+          <a:effectRef idx="0">
+            <a:schemeClr val="accent1"/>
+          </a:effectRef>
+          <a:fontRef idx="minor">
+            <a:schemeClr val="tx1"/>
+          </a:fontRef>
+        </p:style>
+      </p:cxnSp>
+    </p:spTree>
+    <p:extLst>
+      <p:ext uri="{BB962C8B-B14F-4D97-AF65-F5344CB8AC3E}">
+        <p14:creationId xmlns:p14="http://schemas.microsoft.com/office/powerpoint/2010/main" val="790189990"/>
+      </p:ext>
+    </p:extLst>
+  </p:cSld>
+  <p:clrMapOvr>
+    <a:masterClrMapping/>
+  </p:clrMapOvr>
+</p:sld>
+</file>
+
+<file path=ppt/slides/slide3.xml><?xml version="1.0" encoding="utf-8"?>
+<p:sld xmlns:a="http://schemas.openxmlformats.org/drawingml/2006/main" xmlns:r="http://schemas.openxmlformats.org/officeDocument/2006/relationships" xmlns:p="http://schemas.openxmlformats.org/presentationml/2006/main">
+  <p:cSld>
+    <p:spTree>
+      <p:nvGrpSpPr>
+        <p:cNvPr id="1" name=""/>
+        <p:cNvGrpSpPr/>
+        <p:nvPr/>
+      </p:nvGrpSpPr>
+      <p:grpSpPr>
+        <a:xfrm>
+          <a:off x="0" y="0"/>
+          <a:ext cx="0" cy="0"/>
+          <a:chOff x="0" y="0"/>
+          <a:chExt cx="0" cy="0"/>
+        </a:xfrm>
+      </p:grpSpPr>
+      <p:sp>
+        <p:nvSpPr>
+          <p:cNvPr id="2" name="Rectangle 1"/>
+          <p:cNvSpPr/>
+          <p:nvPr/>
+        </p:nvSpPr>
+        <p:spPr>
+          <a:xfrm>
+            <a:off x="4776537" y="996520"/>
+            <a:ext cx="2235200" cy="2017486"/>
+          </a:xfrm>
+          <a:prstGeom prst="rect">
+            <a:avLst/>
+          </a:prstGeom>
+        </p:spPr>
+        <p:style>
+          <a:lnRef idx="2">
+            <a:schemeClr val="accent1">
+              <a:shade val="50000"/>
+            </a:schemeClr>
+          </a:lnRef>
+          <a:fillRef idx="1">
+            <a:schemeClr val="accent1"/>
+          </a:fillRef>
+          <a:effectRef idx="0">
+            <a:schemeClr val="accent1"/>
+          </a:effectRef>
+          <a:fontRef idx="minor">
+            <a:schemeClr val="lt1"/>
+          </a:fontRef>
+        </p:style>
+        <p:txBody>
+          <a:bodyPr rtlCol="0" anchor="ctr"/>
+          <a:lstStyle/>
+          <a:p>
+            <a:pPr algn="ctr"/>
+            <a:r>
+              <a:rPr lang="en-US" dirty="0" err="1" smtClean="0"/>
+              <a:t>TableCollection</a:t>
+            </a:r>
+            <a:endParaRPr lang="en-US" dirty="0"/>
+          </a:p>
+        </p:txBody>
+      </p:sp>
+      <p:sp>
+        <p:nvSpPr>
+          <p:cNvPr id="4" name="Rectangle 3"/>
+          <p:cNvSpPr/>
+          <p:nvPr/>
+        </p:nvSpPr>
+        <p:spPr>
+          <a:xfrm>
+            <a:off x="4776537" y="3531364"/>
+            <a:ext cx="2235200" cy="2017486"/>
+          </a:xfrm>
+          <a:prstGeom prst="rect">
+            <a:avLst/>
+          </a:prstGeom>
+        </p:spPr>
+        <p:style>
+          <a:lnRef idx="2">
+            <a:schemeClr val="accent1">
+              <a:shade val="50000"/>
+            </a:schemeClr>
+          </a:lnRef>
+          <a:fillRef idx="1">
+            <a:schemeClr val="accent1"/>
+          </a:fillRef>
+          <a:effectRef idx="0">
+            <a:schemeClr val="accent1"/>
+          </a:effectRef>
+          <a:fontRef idx="minor">
+            <a:schemeClr val="lt1"/>
+          </a:fontRef>
+        </p:style>
+        <p:txBody>
+          <a:bodyPr rtlCol="0" anchor="ctr"/>
+          <a:lstStyle/>
+          <a:p>
+            <a:pPr algn="ctr"/>
+            <a:r>
+              <a:rPr lang="en-US" dirty="0" err="1" smtClean="0"/>
+              <a:t>KeyCollection</a:t>
+            </a:r>
+            <a:endParaRPr lang="en-US" dirty="0"/>
+          </a:p>
+        </p:txBody>
+      </p:sp>
+      <p:sp>
+        <p:nvSpPr>
+          <p:cNvPr id="5" name="Rectangle 4"/>
+          <p:cNvSpPr/>
+          <p:nvPr/>
+        </p:nvSpPr>
+        <p:spPr>
+          <a:xfrm>
+            <a:off x="948298" y="2111446"/>
+            <a:ext cx="2235200" cy="2017486"/>
+          </a:xfrm>
+          <a:prstGeom prst="rect">
+            <a:avLst/>
+          </a:prstGeom>
+        </p:spPr>
+        <p:style>
+          <a:lnRef idx="2">
+            <a:schemeClr val="accent1">
+              <a:shade val="50000"/>
+            </a:schemeClr>
+          </a:lnRef>
+          <a:fillRef idx="1">
+            <a:schemeClr val="accent1"/>
+          </a:fillRef>
+          <a:effectRef idx="0">
+            <a:schemeClr val="accent1"/>
+          </a:effectRef>
+          <a:fontRef idx="minor">
+            <a:schemeClr val="lt1"/>
+          </a:fontRef>
+        </p:style>
+        <p:txBody>
+          <a:bodyPr rtlCol="0" anchor="ctr"/>
+          <a:lstStyle/>
+          <a:p>
+            <a:pPr algn="ctr"/>
+            <a:r>
+              <a:rPr lang="en-US" dirty="0" smtClean="0"/>
+              <a:t>Collection</a:t>
+            </a:r>
+            <a:endParaRPr lang="en-US" dirty="0"/>
+          </a:p>
+        </p:txBody>
+      </p:sp>
+      <p:cxnSp>
+        <p:nvCxnSpPr>
+          <p:cNvPr id="6" name="Elbow Connector 5"/>
+          <p:cNvCxnSpPr>
+            <a:stCxn id="5" idx="3"/>
+            <a:endCxn id="2" idx="1"/>
+          </p:cNvCxnSpPr>
+          <p:nvPr/>
+        </p:nvCxnSpPr>
+        <p:spPr>
+          <a:xfrm flipV="1">
+            <a:off x="3183498" y="2005263"/>
+            <a:ext cx="1593039" cy="1114926"/>
+          </a:xfrm>
+          <a:prstGeom prst="bentConnector3">
+            <a:avLst/>
+          </a:prstGeom>
+        </p:spPr>
+        <p:style>
+          <a:lnRef idx="1">
+            <a:schemeClr val="accent1"/>
+          </a:lnRef>
+          <a:fillRef idx="0">
+            <a:schemeClr val="accent1"/>
+          </a:fillRef>
+          <a:effectRef idx="0">
+            <a:schemeClr val="accent1"/>
+          </a:effectRef>
+          <a:fontRef idx="minor">
+            <a:schemeClr val="tx1"/>
+          </a:fontRef>
+        </p:style>
+      </p:cxnSp>
+      <p:cxnSp>
+        <p:nvCxnSpPr>
+          <p:cNvPr id="8" name="Elbow Connector 7"/>
+          <p:cNvCxnSpPr>
+            <a:stCxn id="5" idx="3"/>
+            <a:endCxn id="4" idx="1"/>
+          </p:cNvCxnSpPr>
+          <p:nvPr/>
+        </p:nvCxnSpPr>
+        <p:spPr>
+          <a:xfrm>
+            <a:off x="3183498" y="3120189"/>
+            <a:ext cx="1593039" cy="1419918"/>
+          </a:xfrm>
+          <a:prstGeom prst="bentConnector3">
+            <a:avLst/>
+          </a:prstGeom>
+        </p:spPr>
+        <p:style>
+          <a:lnRef idx="1">
+            <a:schemeClr val="accent1"/>
+          </a:lnRef>
+          <a:fillRef idx="0">
+            <a:schemeClr val="accent1"/>
+          </a:fillRef>
+          <a:effectRef idx="0">
+            <a:schemeClr val="accent1"/>
+          </a:effectRef>
+          <a:fontRef idx="minor">
+            <a:schemeClr val="tx1"/>
+          </a:fontRef>
+        </p:style>
+      </p:cxnSp>
     </p:spTree>
     <p:extLst>
       <p:ext uri="{BB962C8B-B14F-4D97-AF65-F5344CB8AC3E}">
